--- a/Contact Manager Actual.pptx
+++ b/Contact Manager Actual.pptx
@@ -315,7 +315,7 @@
             <a:fld id="{B61BEF0D-F0BB-DE4B-95CE-6DB70DBA9567}" type="datetimeFigureOut">
               <a:rPr lang="en-US" smtClean="0"/>
               <a:pPr/>
-              <a:t>9/24/2019</a:t>
+              <a:t>9/25/2019</a:t>
             </a:fld>
             <a:endParaRPr lang="en-US" dirty="0"/>
           </a:p>
@@ -753,7 +753,7 @@
             <a:fld id="{B61BEF0D-F0BB-DE4B-95CE-6DB70DBA9567}" type="datetimeFigureOut">
               <a:rPr lang="en-US" smtClean="0"/>
               <a:pPr/>
-              <a:t>9/24/2019</a:t>
+              <a:t>9/25/2019</a:t>
             </a:fld>
             <a:endParaRPr lang="en-US" dirty="0"/>
           </a:p>
@@ -1005,7 +1005,7 @@
             <a:fld id="{B61BEF0D-F0BB-DE4B-95CE-6DB70DBA9567}" type="datetimeFigureOut">
               <a:rPr lang="en-US" smtClean="0"/>
               <a:pPr/>
-              <a:t>9/24/2019</a:t>
+              <a:t>9/25/2019</a:t>
             </a:fld>
             <a:endParaRPr lang="en-US" dirty="0"/>
           </a:p>
@@ -1315,7 +1315,7 @@
             <a:fld id="{B61BEF0D-F0BB-DE4B-95CE-6DB70DBA9567}" type="datetimeFigureOut">
               <a:rPr lang="en-US" smtClean="0"/>
               <a:pPr/>
-              <a:t>9/24/2019</a:t>
+              <a:t>9/25/2019</a:t>
             </a:fld>
             <a:endParaRPr lang="en-US" dirty="0"/>
           </a:p>
@@ -1635,7 +1635,7 @@
             <a:fld id="{B61BEF0D-F0BB-DE4B-95CE-6DB70DBA9567}" type="datetimeFigureOut">
               <a:rPr lang="en-US" smtClean="0"/>
               <a:pPr/>
-              <a:t>9/24/2019</a:t>
+              <a:t>9/25/2019</a:t>
             </a:fld>
             <a:endParaRPr lang="en-US" dirty="0"/>
           </a:p>
@@ -1939,7 +1939,7 @@
             <a:fld id="{B61BEF0D-F0BB-DE4B-95CE-6DB70DBA9567}" type="datetimeFigureOut">
               <a:rPr lang="en-US" smtClean="0"/>
               <a:pPr/>
-              <a:t>9/24/2019</a:t>
+              <a:t>9/25/2019</a:t>
             </a:fld>
             <a:endParaRPr lang="en-US" dirty="0"/>
           </a:p>
@@ -2308,7 +2308,7 @@
             <a:fld id="{B61BEF0D-F0BB-DE4B-95CE-6DB70DBA9567}" type="datetimeFigureOut">
               <a:rPr lang="en-US" smtClean="0"/>
               <a:pPr/>
-              <a:t>9/24/2019</a:t>
+              <a:t>9/25/2019</a:t>
             </a:fld>
             <a:endParaRPr lang="en-US" dirty="0"/>
           </a:p>
@@ -2484,7 +2484,7 @@
             <a:fld id="{B61BEF0D-F0BB-DE4B-95CE-6DB70DBA9567}" type="datetimeFigureOut">
               <a:rPr lang="en-US" smtClean="0"/>
               <a:pPr/>
-              <a:t>9/24/2019</a:t>
+              <a:t>9/25/2019</a:t>
             </a:fld>
             <a:endParaRPr lang="en-US" dirty="0"/>
           </a:p>
@@ -2666,7 +2666,7 @@
             <a:fld id="{B61BEF0D-F0BB-DE4B-95CE-6DB70DBA9567}" type="datetimeFigureOut">
               <a:rPr lang="en-US" smtClean="0"/>
               <a:pPr/>
-              <a:t>9/24/2019</a:t>
+              <a:t>9/25/2019</a:t>
             </a:fld>
             <a:endParaRPr lang="en-US" dirty="0"/>
           </a:p>
@@ -2838,7 +2838,7 @@
             <a:fld id="{B61BEF0D-F0BB-DE4B-95CE-6DB70DBA9567}" type="datetimeFigureOut">
               <a:rPr lang="en-US" smtClean="0"/>
               <a:pPr/>
-              <a:t>9/24/2019</a:t>
+              <a:t>9/25/2019</a:t>
             </a:fld>
             <a:endParaRPr lang="en-US" dirty="0"/>
           </a:p>
@@ -3090,7 +3090,7 @@
             <a:fld id="{B61BEF0D-F0BB-DE4B-95CE-6DB70DBA9567}" type="datetimeFigureOut">
               <a:rPr lang="en-US" smtClean="0"/>
               <a:pPr/>
-              <a:t>9/24/2019</a:t>
+              <a:t>9/25/2019</a:t>
             </a:fld>
             <a:endParaRPr lang="en-US" dirty="0"/>
           </a:p>
@@ -3328,7 +3328,7 @@
             <a:fld id="{B61BEF0D-F0BB-DE4B-95CE-6DB70DBA9567}" type="datetimeFigureOut">
               <a:rPr lang="en-US" smtClean="0"/>
               <a:pPr/>
-              <a:t>9/24/2019</a:t>
+              <a:t>9/25/2019</a:t>
             </a:fld>
             <a:endParaRPr lang="en-US" dirty="0"/>
           </a:p>
@@ -3712,7 +3712,7 @@
             <a:fld id="{B61BEF0D-F0BB-DE4B-95CE-6DB70DBA9567}" type="datetimeFigureOut">
               <a:rPr lang="en-US" smtClean="0"/>
               <a:pPr/>
-              <a:t>9/24/2019</a:t>
+              <a:t>9/25/2019</a:t>
             </a:fld>
             <a:endParaRPr lang="en-US" dirty="0"/>
           </a:p>
@@ -3832,7 +3832,7 @@
             <a:fld id="{B61BEF0D-F0BB-DE4B-95CE-6DB70DBA9567}" type="datetimeFigureOut">
               <a:rPr lang="en-US" smtClean="0"/>
               <a:pPr/>
-              <a:t>9/24/2019</a:t>
+              <a:t>9/25/2019</a:t>
             </a:fld>
             <a:endParaRPr lang="en-US" dirty="0"/>
           </a:p>
@@ -3929,7 +3929,7 @@
             <a:fld id="{B61BEF0D-F0BB-DE4B-95CE-6DB70DBA9567}" type="datetimeFigureOut">
               <a:rPr lang="en-US" smtClean="0"/>
               <a:pPr/>
-              <a:t>9/24/2019</a:t>
+              <a:t>9/25/2019</a:t>
             </a:fld>
             <a:endParaRPr lang="en-US" dirty="0"/>
           </a:p>
@@ -4186,7 +4186,7 @@
             <a:fld id="{B61BEF0D-F0BB-DE4B-95CE-6DB70DBA9567}" type="datetimeFigureOut">
               <a:rPr lang="en-US" smtClean="0"/>
               <a:pPr/>
-              <a:t>9/24/2019</a:t>
+              <a:t>9/25/2019</a:t>
             </a:fld>
             <a:endParaRPr lang="en-US" dirty="0"/>
           </a:p>
@@ -4471,7 +4471,7 @@
             <a:fld id="{B61BEF0D-F0BB-DE4B-95CE-6DB70DBA9567}" type="datetimeFigureOut">
               <a:rPr lang="en-US" smtClean="0"/>
               <a:pPr/>
-              <a:t>9/24/2019</a:t>
+              <a:t>9/25/2019</a:t>
             </a:fld>
             <a:endParaRPr lang="en-US" dirty="0"/>
           </a:p>
@@ -4879,7 +4879,7 @@
             <a:fld id="{B61BEF0D-F0BB-DE4B-95CE-6DB70DBA9567}" type="datetimeFigureOut">
               <a:rPr lang="en-US" smtClean="0"/>
               <a:pPr/>
-              <a:t>9/24/2019</a:t>
+              <a:t>9/25/2019</a:t>
             </a:fld>
             <a:endParaRPr lang="en-US" dirty="0"/>
           </a:p>
@@ -6621,10 +6621,10 @@
       </p:sp>
       <p:pic>
         <p:nvPicPr>
-          <p:cNvPr id="5" name="Content Placeholder 4" descr="A screenshot of a cell phone&#10;&#10;Description automatically generated">
+          <p:cNvPr id="7" name="Content Placeholder 6" descr="A screenshot of a video game&#10;&#10;Description automatically generated">
             <a:extLst>
               <a:ext uri="{FF2B5EF4-FFF2-40B4-BE49-F238E27FC236}">
-                <a16:creationId xmlns:a16="http://schemas.microsoft.com/office/drawing/2014/main" id="{B0569715-9583-4588-A486-EBE72BDC08D9}"/>
+                <a16:creationId xmlns:a16="http://schemas.microsoft.com/office/drawing/2014/main" id="{04D140C6-8DEB-45B1-9CCE-69204E8ADD4F}"/>
               </a:ext>
             </a:extLst>
           </p:cNvPr>
@@ -6643,8 +6643,8 @@
         </p:blipFill>
         <p:spPr>
           <a:xfrm>
-            <a:off x="2167982" y="575811"/>
-            <a:ext cx="8917833" cy="5706378"/>
+            <a:off x="2153588" y="561940"/>
+            <a:ext cx="9704629" cy="5589478"/>
           </a:xfrm>
         </p:spPr>
       </p:pic>
